--- a/documents/Lesson 4 - Array,String,Enum.pptx
+++ b/documents/Lesson 4 - Array,String,Enum.pptx
@@ -15645,7 +15645,7 @@
         </p:nvSpPr>
         <p:spPr>
           <a:xfrm>
-            <a:off x="955550" y="665775"/>
+            <a:off x="744750" y="665775"/>
             <a:ext cx="2380500" cy="918000"/>
           </a:xfrm>
           <a:prstGeom prst="rect">
@@ -15681,7 +15681,7 @@
               <a:buNone/>
             </a:pPr>
             <a:r>
-              <a:rPr lang="en">
+              <a:rPr lang="en" dirty="0">
                 <a:solidFill>
                   <a:srgbClr val="000000"/>
                 </a:solidFill>
@@ -15696,7 +15696,7 @@
               <a:t>DataType[] varName</a:t>
             </a:r>
             <a:r>
-              <a:rPr lang="en">
+              <a:rPr lang="en" dirty="0">
                 <a:highlight>
                   <a:srgbClr val="FFFFFF"/>
                 </a:highlight>
@@ -15707,7 +15707,7 @@
               </a:rPr>
               <a:t>;</a:t>
             </a:r>
-            <a:endParaRPr>
+            <a:endParaRPr dirty="0">
               <a:highlight>
                 <a:srgbClr val="FFFFFF"/>
               </a:highlight>
@@ -15731,7 +15731,7 @@
               <a:buNone/>
             </a:pPr>
             <a:r>
-              <a:rPr lang="en">
+              <a:rPr lang="en" dirty="0">
                 <a:highlight>
                   <a:srgbClr val="FFFFFF"/>
                 </a:highlight>
@@ -15742,7 +15742,7 @@
               </a:rPr>
               <a:t>DataType varName[];</a:t>
             </a:r>
-            <a:endParaRPr>
+            <a:endParaRPr dirty="0">
               <a:highlight>
                 <a:srgbClr val="FFFFFF"/>
               </a:highlight>
@@ -15803,7 +15803,7 @@
               <a:buNone/>
             </a:pPr>
             <a:r>
-              <a:rPr lang="en">
+              <a:rPr lang="en" dirty="0">
                 <a:solidFill>
                   <a:schemeClr val="dk1"/>
                 </a:solidFill>
@@ -15817,7 +15817,7 @@
               </a:rPr>
               <a:t>varName = new DataType[array_size];</a:t>
             </a:r>
-            <a:endParaRPr>
+            <a:endParaRPr dirty="0">
               <a:solidFill>
                 <a:schemeClr val="dk1"/>
               </a:solidFill>
@@ -15849,7 +15849,7 @@
               <a:buNone/>
             </a:pPr>
             <a:r>
-              <a:rPr lang="en">
+              <a:rPr lang="en" dirty="0">
                 <a:solidFill>
                   <a:schemeClr val="dk1"/>
                 </a:solidFill>
@@ -15863,7 +15863,7 @@
               </a:rPr>
               <a:t>varName = {value 1, value 2, …, value N}</a:t>
             </a:r>
-            <a:endParaRPr>
+            <a:endParaRPr dirty="0">
               <a:solidFill>
                 <a:schemeClr val="dk1"/>
               </a:solidFill>
@@ -15889,7 +15889,7 @@
               </a:spcAft>
               <a:buNone/>
             </a:pPr>
-            <a:endParaRPr>
+            <a:endParaRPr dirty="0">
               <a:highlight>
                 <a:srgbClr val="FFFFFF"/>
               </a:highlight>
@@ -16071,10 +16071,10 @@
               <a:buNone/>
             </a:pPr>
             <a:r>
-              <a:rPr lang="en"/>
+              <a:rPr lang="en" dirty="0"/>
               <a:t>24</a:t>
             </a:r>
-            <a:endParaRPr/>
+            <a:endParaRPr dirty="0"/>
           </a:p>
         </p:txBody>
       </p:sp>
@@ -16121,10 +16121,10 @@
               <a:buNone/>
             </a:pPr>
             <a:r>
-              <a:rPr lang="en"/>
+              <a:rPr lang="en" dirty="0"/>
               <a:t>127</a:t>
             </a:r>
-            <a:endParaRPr/>
+            <a:endParaRPr dirty="0"/>
           </a:p>
         </p:txBody>
       </p:sp>
@@ -16171,10 +16171,10 @@
               <a:buNone/>
             </a:pPr>
             <a:r>
-              <a:rPr lang="en"/>
+              <a:rPr lang="en" dirty="0"/>
               <a:t>200</a:t>
             </a:r>
-            <a:endParaRPr/>
+            <a:endParaRPr dirty="0"/>
           </a:p>
         </p:txBody>
       </p:sp>
@@ -16221,10 +16221,10 @@
               <a:buNone/>
             </a:pPr>
             <a:r>
-              <a:rPr lang="en"/>
+              <a:rPr lang="en" dirty="0"/>
               <a:t>38</a:t>
             </a:r>
-            <a:endParaRPr/>
+            <a:endParaRPr dirty="0"/>
           </a:p>
         </p:txBody>
       </p:sp>
@@ -16271,10 +16271,10 @@
               <a:buNone/>
             </a:pPr>
             <a:r>
-              <a:rPr lang="en"/>
+              <a:rPr lang="en" dirty="0"/>
               <a:t>243</a:t>
             </a:r>
-            <a:endParaRPr/>
+            <a:endParaRPr dirty="0"/>
           </a:p>
         </p:txBody>
       </p:sp>
@@ -16321,10 +16321,10 @@
               <a:buNone/>
             </a:pPr>
             <a:r>
-              <a:rPr lang="en"/>
+              <a:rPr lang="en" dirty="0"/>
               <a:t>215</a:t>
             </a:r>
-            <a:endParaRPr/>
+            <a:endParaRPr dirty="0"/>
           </a:p>
         </p:txBody>
       </p:sp>
@@ -16366,10 +16366,10 @@
               <a:buNone/>
             </a:pPr>
             <a:r>
-              <a:rPr lang="en"/>
+              <a:rPr lang="en" dirty="0"/>
               <a:t>a[0] </a:t>
             </a:r>
-            <a:endParaRPr/>
+            <a:endParaRPr dirty="0"/>
           </a:p>
         </p:txBody>
       </p:sp>
@@ -16456,10 +16456,10 @@
               <a:buNone/>
             </a:pPr>
             <a:r>
-              <a:rPr lang="en"/>
+              <a:rPr lang="en" dirty="0"/>
               <a:t>a[5] </a:t>
             </a:r>
-            <a:endParaRPr/>
+            <a:endParaRPr dirty="0"/>
           </a:p>
         </p:txBody>
       </p:sp>
@@ -16564,14 +16564,14 @@
               <a:buChar char="●"/>
             </a:pPr>
             <a:r>
-              <a:rPr lang="en">
+              <a:rPr lang="en" dirty="0">
                 <a:solidFill>
                   <a:srgbClr val="2876C9"/>
                 </a:solidFill>
               </a:rPr>
               <a:t>myArray[0] = 24; myArray[1] = 127; ...</a:t>
             </a:r>
-            <a:endParaRPr>
+            <a:endParaRPr dirty="0">
               <a:solidFill>
                 <a:srgbClr val="2876C9"/>
               </a:solidFill>
@@ -16595,14 +16595,14 @@
               <a:buChar char="●"/>
             </a:pPr>
             <a:r>
-              <a:rPr lang="en">
+              <a:rPr lang="en" dirty="0">
                 <a:solidFill>
                   <a:srgbClr val="2876C9"/>
                 </a:solidFill>
               </a:rPr>
               <a:t>int myArray[] = {24, 127, 200, 38, 243, 215}; </a:t>
             </a:r>
-            <a:endParaRPr>
+            <a:endParaRPr dirty="0">
               <a:solidFill>
                 <a:srgbClr val="2876C9"/>
               </a:solidFill>
@@ -16621,7 +16621,7 @@
               </a:spcAft>
               <a:buNone/>
             </a:pPr>
-            <a:endParaRPr>
+            <a:endParaRPr dirty="0">
               <a:solidFill>
                 <a:srgbClr val="2876C9"/>
               </a:solidFill>
@@ -16645,14 +16645,14 @@
               <a:buChar char="●"/>
             </a:pPr>
             <a:r>
-              <a:rPr lang="en">
+              <a:rPr lang="en" dirty="0">
                 <a:solidFill>
                   <a:srgbClr val="2876C9"/>
                 </a:solidFill>
               </a:rPr>
               <a:t>int myArray[] = new int[] {24, 127, 200, 38, 243, 215};</a:t>
             </a:r>
-            <a:endParaRPr>
+            <a:endParaRPr dirty="0">
               <a:solidFill>
                 <a:srgbClr val="2876C9"/>
               </a:solidFill>
@@ -16672,10 +16672,10 @@
               <a:buNone/>
             </a:pPr>
             <a:r>
-              <a:rPr lang="en"/>
+              <a:rPr lang="en" dirty="0"/>
               <a:t>Khai báo, khởi tạo và gán giá trị trong cùng một câu lệnh. </a:t>
             </a:r>
-            <a:endParaRPr/>
+            <a:endParaRPr dirty="0"/>
           </a:p>
           <a:p>
             <a:pPr marL="457200" lvl="0" indent="0" algn="l" rtl="0">
@@ -16691,11 +16691,11 @@
               <a:buNone/>
             </a:pPr>
             <a:r>
-              <a:rPr lang="en"/>
+              <a:rPr lang="en" dirty="0"/>
               <a:t>myArray.length = 6, với cách tạo mảng này chúng ta </a:t>
             </a:r>
             <a:r>
-              <a:rPr lang="en">
+              <a:rPr lang="en" dirty="0">
                 <a:solidFill>
                   <a:srgbClr val="980000"/>
                 </a:solidFill>
@@ -16703,18 +16703,18 @@
               <a:t>không </a:t>
             </a:r>
             <a:r>
-              <a:rPr lang="en"/>
+              <a:rPr lang="en" dirty="0"/>
               <a:t>được chỉ rõ kích thước mảng </a:t>
             </a:r>
             <a:r>
-              <a:rPr lang="en">
+              <a:rPr lang="en" dirty="0">
                 <a:solidFill>
                   <a:srgbClr val="980000"/>
                 </a:solidFill>
               </a:rPr>
               <a:t>new int[6]{}.</a:t>
             </a:r>
-            <a:endParaRPr>
+            <a:endParaRPr dirty="0">
               <a:solidFill>
                 <a:srgbClr val="980000"/>
               </a:solidFill>
@@ -16734,10 +16734,10 @@
               <a:buNone/>
             </a:pPr>
             <a:r>
-              <a:rPr lang="en"/>
+              <a:rPr lang="en" dirty="0"/>
               <a:t>myArray[0] = 24, myArray[1] = 127,... myArray[5] = 215.</a:t>
             </a:r>
-            <a:endParaRPr/>
+            <a:endParaRPr dirty="0"/>
           </a:p>
           <a:p>
             <a:pPr marL="0" lvl="0" indent="0" algn="l" rtl="0">
@@ -16753,14 +16753,14 @@
               <a:buNone/>
             </a:pPr>
             <a:r>
-              <a:rPr lang="en" sz="1200">
+              <a:rPr lang="en" sz="1200" dirty="0">
                 <a:solidFill>
                   <a:schemeClr val="dk1"/>
                 </a:solidFill>
               </a:rPr>
               <a:t> </a:t>
             </a:r>
-            <a:endParaRPr sz="1200">
+            <a:endParaRPr sz="1200" dirty="0">
               <a:solidFill>
                 <a:schemeClr val="dk1"/>
               </a:solidFill>
@@ -16779,7 +16779,7 @@
               </a:spcAft>
               <a:buNone/>
             </a:pPr>
-            <a:endParaRPr>
+            <a:endParaRPr dirty="0">
               <a:solidFill>
                 <a:schemeClr val="dk1"/>
               </a:solidFill>
@@ -16798,7 +16798,7 @@
               </a:spcAft>
               <a:buNone/>
             </a:pPr>
-            <a:endParaRPr sz="1200">
+            <a:endParaRPr sz="1200" dirty="0">
               <a:solidFill>
                 <a:schemeClr val="dk1"/>
               </a:solidFill>
@@ -16817,7 +16817,7 @@
               </a:spcAft>
               <a:buNone/>
             </a:pPr>
-            <a:endParaRPr>
+            <a:endParaRPr dirty="0">
               <a:solidFill>
                 <a:srgbClr val="2876C9"/>
               </a:solidFill>
@@ -16836,7 +16836,7 @@
               </a:spcAft>
               <a:buNone/>
             </a:pPr>
-            <a:endParaRPr>
+            <a:endParaRPr dirty="0">
               <a:solidFill>
                 <a:srgbClr val="2876C9"/>
               </a:solidFill>
@@ -16855,7 +16855,7 @@
               </a:spcAft>
               <a:buNone/>
             </a:pPr>
-            <a:endParaRPr>
+            <a:endParaRPr dirty="0">
               <a:solidFill>
                 <a:srgbClr val="2876C9"/>
               </a:solidFill>
@@ -16874,7 +16874,7 @@
               </a:spcAft>
               <a:buNone/>
             </a:pPr>
-            <a:endParaRPr/>
+            <a:endParaRPr dirty="0"/>
           </a:p>
           <a:p>
             <a:pPr marL="457200" lvl="0" indent="0" algn="l" rtl="0">
@@ -16889,7 +16889,7 @@
               </a:spcAft>
               <a:buNone/>
             </a:pPr>
-            <a:endParaRPr sz="1200"/>
+            <a:endParaRPr sz="1200" dirty="0"/>
           </a:p>
           <a:p>
             <a:pPr marL="457200" lvl="0" indent="0" algn="l" rtl="0">
@@ -16904,7 +16904,7 @@
               </a:spcAft>
               <a:buNone/>
             </a:pPr>
-            <a:endParaRPr>
+            <a:endParaRPr dirty="0">
               <a:solidFill>
                 <a:srgbClr val="999999"/>
               </a:solidFill>
@@ -17081,14 +17081,14 @@
               <a:buChar char="●"/>
             </a:pPr>
             <a:r>
-              <a:rPr lang="en">
+              <a:rPr lang="en" dirty="0">
                 <a:solidFill>
                   <a:srgbClr val="2876C9"/>
                 </a:solidFill>
               </a:rPr>
               <a:t>for (int i = 0; i &lt; myArray.length; i++) {}</a:t>
             </a:r>
-            <a:endParaRPr>
+            <a:endParaRPr dirty="0">
               <a:solidFill>
                 <a:srgbClr val="2876C9"/>
               </a:solidFill>
@@ -17108,10 +17108,10 @@
               <a:buNone/>
             </a:pPr>
             <a:r>
-              <a:rPr lang="en"/>
+              <a:rPr lang="en" dirty="0"/>
               <a:t>Duyệt mảng bằng vòng lặp for, với cách duyệt mảng này chúng ta cần biết kích thước mảng. </a:t>
             </a:r>
-            <a:endParaRPr/>
+            <a:endParaRPr dirty="0"/>
           </a:p>
           <a:p>
             <a:pPr marL="457200" lvl="0" indent="0" algn="l" rtl="0">
@@ -17127,11 +17127,11 @@
               <a:buNone/>
             </a:pPr>
             <a:r>
-              <a:rPr lang="en"/>
+              <a:rPr lang="en" dirty="0"/>
               <a:t>Các phần tử trong mảng sẽ được truy cập thông qua chỉ số mảng </a:t>
             </a:r>
             <a:r>
-              <a:rPr lang="en" i="1">
+              <a:rPr lang="en" i="1" dirty="0">
                 <a:solidFill>
                   <a:srgbClr val="980000"/>
                 </a:solidFill>
@@ -17139,10 +17139,10 @@
               <a:t>myArray[i]</a:t>
             </a:r>
             <a:r>
-              <a:rPr lang="en"/>
+              <a:rPr lang="en" dirty="0"/>
               <a:t>;</a:t>
             </a:r>
-            <a:endParaRPr/>
+            <a:endParaRPr dirty="0"/>
           </a:p>
           <a:p>
             <a:pPr marL="457200" lvl="0" indent="-317500" algn="l" rtl="0">
@@ -17162,14 +17162,14 @@
               <a:buChar char="●"/>
             </a:pPr>
             <a:r>
-              <a:rPr lang="en">
+              <a:rPr lang="en" dirty="0">
                 <a:solidFill>
                   <a:srgbClr val="2876C9"/>
                 </a:solidFill>
               </a:rPr>
               <a:t>for (int element : myArray) {}</a:t>
             </a:r>
-            <a:endParaRPr>
+            <a:endParaRPr dirty="0">
               <a:solidFill>
                 <a:srgbClr val="2876C9"/>
               </a:solidFill>
@@ -17189,11 +17189,11 @@
               <a:buNone/>
             </a:pPr>
             <a:r>
-              <a:rPr lang="en"/>
+              <a:rPr lang="en" dirty="0"/>
               <a:t>Giá trị của các phần tử trong mảng sẽ được lần lượt gán trực tiếp vào biến lặp </a:t>
             </a:r>
             <a:r>
-              <a:rPr lang="en" i="1">
+              <a:rPr lang="en" i="1" dirty="0">
                 <a:solidFill>
                   <a:srgbClr val="980000"/>
                 </a:solidFill>
@@ -17201,10 +17201,10 @@
               <a:t>element</a:t>
             </a:r>
             <a:r>
-              <a:rPr lang="en"/>
+              <a:rPr lang="en" dirty="0"/>
               <a:t> qua mỗi vòng lặp.</a:t>
             </a:r>
-            <a:endParaRPr/>
+            <a:endParaRPr dirty="0"/>
           </a:p>
           <a:p>
             <a:pPr marL="0" lvl="0" indent="0" algn="l" rtl="0">
@@ -17220,14 +17220,14 @@
               <a:buNone/>
             </a:pPr>
             <a:r>
-              <a:rPr lang="en" sz="1200">
+              <a:rPr lang="en" sz="1200" dirty="0">
                 <a:solidFill>
                   <a:schemeClr val="dk1"/>
                 </a:solidFill>
               </a:rPr>
               <a:t> </a:t>
             </a:r>
-            <a:endParaRPr sz="1200">
+            <a:endParaRPr sz="1200" dirty="0">
               <a:solidFill>
                 <a:schemeClr val="dk1"/>
               </a:solidFill>
@@ -17246,7 +17246,7 @@
               </a:spcAft>
               <a:buNone/>
             </a:pPr>
-            <a:endParaRPr>
+            <a:endParaRPr dirty="0">
               <a:solidFill>
                 <a:schemeClr val="dk1"/>
               </a:solidFill>
@@ -17265,7 +17265,7 @@
               </a:spcAft>
               <a:buNone/>
             </a:pPr>
-            <a:endParaRPr sz="1200">
+            <a:endParaRPr sz="1200" dirty="0">
               <a:solidFill>
                 <a:schemeClr val="dk1"/>
               </a:solidFill>
@@ -17284,7 +17284,7 @@
               </a:spcAft>
               <a:buNone/>
             </a:pPr>
-            <a:endParaRPr>
+            <a:endParaRPr dirty="0">
               <a:solidFill>
                 <a:srgbClr val="2876C9"/>
               </a:solidFill>
@@ -17303,7 +17303,7 @@
               </a:spcAft>
               <a:buNone/>
             </a:pPr>
-            <a:endParaRPr>
+            <a:endParaRPr dirty="0">
               <a:solidFill>
                 <a:srgbClr val="2876C9"/>
               </a:solidFill>
@@ -17322,7 +17322,7 @@
               </a:spcAft>
               <a:buNone/>
             </a:pPr>
-            <a:endParaRPr>
+            <a:endParaRPr dirty="0">
               <a:solidFill>
                 <a:srgbClr val="2876C9"/>
               </a:solidFill>
@@ -17341,7 +17341,7 @@
               </a:spcAft>
               <a:buNone/>
             </a:pPr>
-            <a:endParaRPr/>
+            <a:endParaRPr dirty="0"/>
           </a:p>
           <a:p>
             <a:pPr marL="457200" lvl="0" indent="0" algn="l" rtl="0">
@@ -17356,7 +17356,7 @@
               </a:spcAft>
               <a:buNone/>
             </a:pPr>
-            <a:endParaRPr sz="1200"/>
+            <a:endParaRPr sz="1200" dirty="0"/>
           </a:p>
           <a:p>
             <a:pPr marL="457200" lvl="0" indent="0" algn="l" rtl="0">
@@ -17371,7 +17371,7 @@
               </a:spcAft>
               <a:buNone/>
             </a:pPr>
-            <a:endParaRPr>
+            <a:endParaRPr dirty="0">
               <a:solidFill>
                 <a:srgbClr val="999999"/>
               </a:solidFill>
